--- a/Project_Report/OpensourceProject.pptx
+++ b/Project_Report/OpensourceProject.pptx
@@ -20,8 +20,9 @@
     <p:sldId id="269" r:id="rId14"/>
     <p:sldId id="270" r:id="rId15"/>
     <p:sldId id="271" r:id="rId16"/>
-    <p:sldId id="272" r:id="rId17"/>
-    <p:sldId id="273" r:id="rId18"/>
+    <p:sldId id="274" r:id="rId17"/>
+    <p:sldId id="272" r:id="rId18"/>
+    <p:sldId id="273" r:id="rId19"/>
   </p:sldIdLst>
   <p:sldSz cx="12192000" cy="6858000"/>
   <p:notesSz cx="6858000" cy="9144000"/>
@@ -7973,6 +7974,110 @@
           <p:cNvPr id="2" name="Title 1">
             <a:extLst>
               <a:ext uri="{FF2B5EF4-FFF2-40B4-BE49-F238E27FC236}">
+                <a16:creationId xmlns:a16="http://schemas.microsoft.com/office/drawing/2014/main" id="{C74EF0D2-A481-BB1D-E9ED-A3C960432D16}"/>
+              </a:ext>
+            </a:extLst>
+          </p:cNvPr>
+          <p:cNvSpPr>
+            <a:spLocks noGrp="1"/>
+          </p:cNvSpPr>
+          <p:nvPr>
+            <p:ph type="title"/>
+          </p:nvPr>
+        </p:nvSpPr>
+        <p:spPr>
+          <a:xfrm>
+            <a:off x="3098507" y="247262"/>
+            <a:ext cx="6250767" cy="1031033"/>
+          </a:xfrm>
+        </p:spPr>
+        <p:txBody>
+          <a:bodyPr/>
+          <a:lstStyle/>
+          <a:p>
+            <a:r>
+              <a:rPr lang="en-IN" dirty="0"/>
+              <a:t>GITHUB Link</a:t>
+            </a:r>
+          </a:p>
+        </p:txBody>
+      </p:sp>
+      <p:sp>
+        <p:nvSpPr>
+          <p:cNvPr id="4" name="TextBox 3">
+            <a:extLst>
+              <a:ext uri="{FF2B5EF4-FFF2-40B4-BE49-F238E27FC236}">
+                <a16:creationId xmlns:a16="http://schemas.microsoft.com/office/drawing/2014/main" id="{7B782072-5387-B0A1-D147-2371A48CEF6F}"/>
+              </a:ext>
+            </a:extLst>
+          </p:cNvPr>
+          <p:cNvSpPr txBox="1"/>
+          <p:nvPr/>
+        </p:nvSpPr>
+        <p:spPr>
+          <a:xfrm>
+            <a:off x="2220686" y="2062065"/>
+            <a:ext cx="8798767" cy="800219"/>
+          </a:xfrm>
+          <a:prstGeom prst="rect">
+            <a:avLst/>
+          </a:prstGeom>
+          <a:noFill/>
+        </p:spPr>
+        <p:txBody>
+          <a:bodyPr wrap="square" rtlCol="0">
+            <a:spAutoFit/>
+          </a:bodyPr>
+          <a:lstStyle/>
+          <a:p>
+            <a:r>
+              <a:rPr lang="en-IN" sz="2800" dirty="0">
+                <a:hlinkClick r:id="rId2"/>
+              </a:rPr>
+              <a:t>https://github.com/Krish-shukla/Opensource_Project.git</a:t>
+            </a:r>
+            <a:endParaRPr lang="en-IN" sz="2800" dirty="0"/>
+          </a:p>
+          <a:p>
+            <a:endParaRPr lang="en-IN" dirty="0"/>
+          </a:p>
+        </p:txBody>
+      </p:sp>
+    </p:spTree>
+    <p:extLst>
+      <p:ext uri="{BB962C8B-B14F-4D97-AF65-F5344CB8AC3E}">
+        <p14:creationId xmlns:p14="http://schemas.microsoft.com/office/powerpoint/2010/main" val="2399192159"/>
+      </p:ext>
+    </p:extLst>
+  </p:cSld>
+  <p:clrMapOvr>
+    <a:masterClrMapping/>
+  </p:clrMapOvr>
+</p:sld>
+</file>
+
+<file path=ppt/slides/slide17.xml><?xml version="1.0" encoding="utf-8"?>
+<p:sld xmlns:a="http://schemas.openxmlformats.org/drawingml/2006/main" xmlns:r="http://schemas.openxmlformats.org/officeDocument/2006/relationships" xmlns:p="http://schemas.openxmlformats.org/presentationml/2006/main">
+  <p:cSld>
+    <p:spTree>
+      <p:nvGrpSpPr>
+        <p:cNvPr id="1" name=""/>
+        <p:cNvGrpSpPr/>
+        <p:nvPr/>
+      </p:nvGrpSpPr>
+      <p:grpSpPr>
+        <a:xfrm>
+          <a:off x="0" y="0"/>
+          <a:ext cx="0" cy="0"/>
+          <a:chOff x="0" y="0"/>
+          <a:chExt cx="0" cy="0"/>
+        </a:xfrm>
+      </p:grpSpPr>
+      <p:sp>
+        <p:nvSpPr>
+          <p:cNvPr id="2" name="Title 1">
+            <a:extLst>
+              <a:ext uri="{FF2B5EF4-FFF2-40B4-BE49-F238E27FC236}">
                 <a16:creationId xmlns:a16="http://schemas.microsoft.com/office/drawing/2014/main" id="{323CC8B8-4311-6644-C848-240C80271AC2}"/>
               </a:ext>
             </a:extLst>
@@ -8273,7 +8378,7 @@
 </p:sld>
 </file>
 
-<file path=ppt/slides/slide17.xml><?xml version="1.0" encoding="utf-8"?>
+<file path=ppt/slides/slide18.xml><?xml version="1.0" encoding="utf-8"?>
 <p:sld xmlns:a="http://schemas.openxmlformats.org/drawingml/2006/main" xmlns:r="http://schemas.openxmlformats.org/officeDocument/2006/relationships" xmlns:p="http://schemas.openxmlformats.org/presentationml/2006/main">
   <p:cSld>
     <p:spTree>
